--- a/Git.pptx
+++ b/Git.pptx
@@ -11,6 +11,12 @@
     <p:sldId id="259" r:id="rId5"/>
     <p:sldId id="260" r:id="rId6"/>
     <p:sldId id="261" r:id="rId7"/>
+    <p:sldId id="262" r:id="rId8"/>
+    <p:sldId id="263" r:id="rId9"/>
+    <p:sldId id="264" r:id="rId10"/>
+    <p:sldId id="265" r:id="rId11"/>
+    <p:sldId id="266" r:id="rId12"/>
+    <p:sldId id="267" r:id="rId13"/>
   </p:sldIdLst>
   <p:sldSz cx="12192000" cy="6858000"/>
   <p:notesSz cx="6858000" cy="9144000"/>
@@ -109,6 +115,11 @@
       </a:defRPr>
     </a:lvl9pPr>
   </p:defaultTextStyle>
+  <p:extLst>
+    <p:ext uri="{EFAFB233-063F-42B5-8137-9DF3F51BA10A}">
+      <p15:sldGuideLst xmlns:p15="http://schemas.microsoft.com/office/powerpoint/2012/main"/>
+    </p:ext>
+  </p:extLst>
 </p:presentation>
 </file>
 
@@ -259,7 +270,7 @@
           <a:p>
             <a:fld id="{E50CDCF3-0E68-437F-9691-CD73744EF741}" type="datetimeFigureOut">
               <a:rPr lang="en-US" smtClean="0"/>
-              <a:t>27-Nov-24</a:t>
+              <a:t>28-Nov-24</a:t>
             </a:fld>
             <a:endParaRPr lang="en-US"/>
           </a:p>
@@ -457,7 +468,7 @@
           <a:p>
             <a:fld id="{E50CDCF3-0E68-437F-9691-CD73744EF741}" type="datetimeFigureOut">
               <a:rPr lang="en-US" smtClean="0"/>
-              <a:t>27-Nov-24</a:t>
+              <a:t>28-Nov-24</a:t>
             </a:fld>
             <a:endParaRPr lang="en-US"/>
           </a:p>
@@ -665,7 +676,7 @@
           <a:p>
             <a:fld id="{E50CDCF3-0E68-437F-9691-CD73744EF741}" type="datetimeFigureOut">
               <a:rPr lang="en-US" smtClean="0"/>
-              <a:t>27-Nov-24</a:t>
+              <a:t>28-Nov-24</a:t>
             </a:fld>
             <a:endParaRPr lang="en-US"/>
           </a:p>
@@ -863,7 +874,7 @@
           <a:p>
             <a:fld id="{E50CDCF3-0E68-437F-9691-CD73744EF741}" type="datetimeFigureOut">
               <a:rPr lang="en-US" smtClean="0"/>
-              <a:t>27-Nov-24</a:t>
+              <a:t>28-Nov-24</a:t>
             </a:fld>
             <a:endParaRPr lang="en-US"/>
           </a:p>
@@ -1138,7 +1149,7 @@
           <a:p>
             <a:fld id="{E50CDCF3-0E68-437F-9691-CD73744EF741}" type="datetimeFigureOut">
               <a:rPr lang="en-US" smtClean="0"/>
-              <a:t>27-Nov-24</a:t>
+              <a:t>28-Nov-24</a:t>
             </a:fld>
             <a:endParaRPr lang="en-US"/>
           </a:p>
@@ -1403,7 +1414,7 @@
           <a:p>
             <a:fld id="{E50CDCF3-0E68-437F-9691-CD73744EF741}" type="datetimeFigureOut">
               <a:rPr lang="en-US" smtClean="0"/>
-              <a:t>27-Nov-24</a:t>
+              <a:t>28-Nov-24</a:t>
             </a:fld>
             <a:endParaRPr lang="en-US"/>
           </a:p>
@@ -1815,7 +1826,7 @@
           <a:p>
             <a:fld id="{E50CDCF3-0E68-437F-9691-CD73744EF741}" type="datetimeFigureOut">
               <a:rPr lang="en-US" smtClean="0"/>
-              <a:t>27-Nov-24</a:t>
+              <a:t>28-Nov-24</a:t>
             </a:fld>
             <a:endParaRPr lang="en-US"/>
           </a:p>
@@ -1956,7 +1967,7 @@
           <a:p>
             <a:fld id="{E50CDCF3-0E68-437F-9691-CD73744EF741}" type="datetimeFigureOut">
               <a:rPr lang="en-US" smtClean="0"/>
-              <a:t>27-Nov-24</a:t>
+              <a:t>28-Nov-24</a:t>
             </a:fld>
             <a:endParaRPr lang="en-US"/>
           </a:p>
@@ -2069,7 +2080,7 @@
           <a:p>
             <a:fld id="{E50CDCF3-0E68-437F-9691-CD73744EF741}" type="datetimeFigureOut">
               <a:rPr lang="en-US" smtClean="0"/>
-              <a:t>27-Nov-24</a:t>
+              <a:t>28-Nov-24</a:t>
             </a:fld>
             <a:endParaRPr lang="en-US"/>
           </a:p>
@@ -2380,7 +2391,7 @@
           <a:p>
             <a:fld id="{E50CDCF3-0E68-437F-9691-CD73744EF741}" type="datetimeFigureOut">
               <a:rPr lang="en-US" smtClean="0"/>
-              <a:t>27-Nov-24</a:t>
+              <a:t>28-Nov-24</a:t>
             </a:fld>
             <a:endParaRPr lang="en-US"/>
           </a:p>
@@ -2668,7 +2679,7 @@
           <a:p>
             <a:fld id="{E50CDCF3-0E68-437F-9691-CD73744EF741}" type="datetimeFigureOut">
               <a:rPr lang="en-US" smtClean="0"/>
-              <a:t>27-Nov-24</a:t>
+              <a:t>28-Nov-24</a:t>
             </a:fld>
             <a:endParaRPr lang="en-US"/>
           </a:p>
@@ -2909,7 +2920,7 @@
           <a:p>
             <a:fld id="{E50CDCF3-0E68-437F-9691-CD73744EF741}" type="datetimeFigureOut">
               <a:rPr lang="en-US" smtClean="0"/>
-              <a:t>27-Nov-24</a:t>
+              <a:t>28-Nov-24</a:t>
             </a:fld>
             <a:endParaRPr lang="en-US"/>
           </a:p>
@@ -3401,6 +3412,454 @@
 </p:sld>
 </file>
 
+<file path=ppt/slides/slide10.xml><?xml version="1.0" encoding="utf-8"?>
+<p:sld xmlns:a="http://schemas.openxmlformats.org/drawingml/2006/main" xmlns:r="http://schemas.openxmlformats.org/officeDocument/2006/relationships" xmlns:p="http://schemas.openxmlformats.org/presentationml/2006/main">
+  <p:cSld>
+    <p:spTree>
+      <p:nvGrpSpPr>
+        <p:cNvPr id="1" name=""/>
+        <p:cNvGrpSpPr/>
+        <p:nvPr/>
+      </p:nvGrpSpPr>
+      <p:grpSpPr>
+        <a:xfrm>
+          <a:off x="0" y="0"/>
+          <a:ext cx="0" cy="0"/>
+          <a:chOff x="0" y="0"/>
+          <a:chExt cx="0" cy="0"/>
+        </a:xfrm>
+      </p:grpSpPr>
+      <p:sp>
+        <p:nvSpPr>
+          <p:cNvPr id="2" name="Title 1">
+            <a:extLst>
+              <a:ext uri="{FF2B5EF4-FFF2-40B4-BE49-F238E27FC236}">
+                <a16:creationId xmlns:a16="http://schemas.microsoft.com/office/drawing/2014/main" id="{9BE38A3E-1B5A-B222-AF7B-D2B41D98318F}"/>
+              </a:ext>
+            </a:extLst>
+          </p:cNvPr>
+          <p:cNvSpPr>
+            <a:spLocks noGrp="1"/>
+          </p:cNvSpPr>
+          <p:nvPr>
+            <p:ph type="title"/>
+          </p:nvPr>
+        </p:nvSpPr>
+        <p:spPr/>
+        <p:txBody>
+          <a:bodyPr/>
+          <a:lstStyle/>
+          <a:p>
+            <a:r>
+              <a:rPr lang="en-US" u="sng" dirty="0">
+                <a:latin typeface="Times New Roman" panose="02020603050405020304" pitchFamily="18" charset="0"/>
+                <a:cs typeface="Times New Roman" panose="02020603050405020304" pitchFamily="18" charset="0"/>
+              </a:rPr>
+              <a:t>Example usage of Git</a:t>
+            </a:r>
+            <a:endParaRPr lang="en-US" u="sng" dirty="0"/>
+          </a:p>
+        </p:txBody>
+      </p:sp>
+      <p:sp>
+        <p:nvSpPr>
+          <p:cNvPr id="3" name="Content Placeholder 2">
+            <a:extLst>
+              <a:ext uri="{FF2B5EF4-FFF2-40B4-BE49-F238E27FC236}">
+                <a16:creationId xmlns:a16="http://schemas.microsoft.com/office/drawing/2014/main" id="{3FECE2E1-B9D2-C3CB-6707-97E10879B8BB}"/>
+              </a:ext>
+            </a:extLst>
+          </p:cNvPr>
+          <p:cNvSpPr>
+            <a:spLocks noGrp="1"/>
+          </p:cNvSpPr>
+          <p:nvPr>
+            <p:ph idx="1"/>
+          </p:nvPr>
+        </p:nvSpPr>
+        <p:spPr/>
+        <p:txBody>
+          <a:bodyPr/>
+          <a:lstStyle/>
+          <a:p>
+            <a:r>
+              <a:rPr lang="en-US" dirty="0">
+                <a:latin typeface="Times New Roman" panose="02020603050405020304" pitchFamily="18" charset="0"/>
+                <a:cs typeface="Times New Roman" panose="02020603050405020304" pitchFamily="18" charset="0"/>
+              </a:rPr>
+              <a:t>Since GitHub uses </a:t>
+            </a:r>
+            <a:r>
+              <a:rPr lang="en-US" i="1" dirty="0">
+                <a:latin typeface="Times New Roman" panose="02020603050405020304" pitchFamily="18" charset="0"/>
+                <a:cs typeface="Times New Roman" panose="02020603050405020304" pitchFamily="18" charset="0"/>
+              </a:rPr>
+              <a:t>main</a:t>
+            </a:r>
+            <a:r>
+              <a:rPr lang="en-US" dirty="0">
+                <a:latin typeface="Times New Roman" panose="02020603050405020304" pitchFamily="18" charset="0"/>
+                <a:cs typeface="Times New Roman" panose="02020603050405020304" pitchFamily="18" charset="0"/>
+              </a:rPr>
+              <a:t> branch as default branch, rename the local branch as </a:t>
+            </a:r>
+            <a:r>
+              <a:rPr lang="en-US" i="1" dirty="0">
+                <a:latin typeface="Times New Roman" panose="02020603050405020304" pitchFamily="18" charset="0"/>
+                <a:cs typeface="Times New Roman" panose="02020603050405020304" pitchFamily="18" charset="0"/>
+              </a:rPr>
+              <a:t>main</a:t>
+            </a:r>
+            <a:r>
+              <a:rPr lang="en-US" dirty="0">
+                <a:latin typeface="Times New Roman" panose="02020603050405020304" pitchFamily="18" charset="0"/>
+                <a:cs typeface="Times New Roman" panose="02020603050405020304" pitchFamily="18" charset="0"/>
+              </a:rPr>
+              <a:t> with the help of </a:t>
+            </a:r>
+            <a:r>
+              <a:rPr lang="en-US" b="1" i="1" dirty="0">
+                <a:latin typeface="Times New Roman" panose="02020603050405020304" pitchFamily="18" charset="0"/>
+                <a:cs typeface="Times New Roman" panose="02020603050405020304" pitchFamily="18" charset="0"/>
+              </a:rPr>
+              <a:t>git branch –m main </a:t>
+            </a:r>
+            <a:r>
+              <a:rPr lang="en-US" dirty="0">
+                <a:latin typeface="Times New Roman" panose="02020603050405020304" pitchFamily="18" charset="0"/>
+                <a:cs typeface="Times New Roman" panose="02020603050405020304" pitchFamily="18" charset="0"/>
+              </a:rPr>
+              <a:t>command.</a:t>
+            </a:r>
+          </a:p>
+          <a:p>
+            <a:r>
+              <a:rPr lang="en-US" dirty="0">
+                <a:latin typeface="Times New Roman" panose="02020603050405020304" pitchFamily="18" charset="0"/>
+                <a:cs typeface="Times New Roman" panose="02020603050405020304" pitchFamily="18" charset="0"/>
+              </a:rPr>
+              <a:t>Then push the new or modified files from the local repository to the remote repository using the </a:t>
+            </a:r>
+            <a:r>
+              <a:rPr lang="en-US" b="1" i="1" dirty="0">
+                <a:latin typeface="Times New Roman" panose="02020603050405020304" pitchFamily="18" charset="0"/>
+                <a:cs typeface="Times New Roman" panose="02020603050405020304" pitchFamily="18" charset="0"/>
+              </a:rPr>
+              <a:t>git push –u origin </a:t>
+            </a:r>
+            <a:r>
+              <a:rPr lang="en-US" dirty="0">
+                <a:latin typeface="Times New Roman" panose="02020603050405020304" pitchFamily="18" charset="0"/>
+                <a:cs typeface="Times New Roman" panose="02020603050405020304" pitchFamily="18" charset="0"/>
+              </a:rPr>
+              <a:t>main command.</a:t>
+            </a:r>
+          </a:p>
+        </p:txBody>
+      </p:sp>
+      <p:pic>
+        <p:nvPicPr>
+          <p:cNvPr id="5" name="Picture 4">
+            <a:extLst>
+              <a:ext uri="{FF2B5EF4-FFF2-40B4-BE49-F238E27FC236}">
+                <a16:creationId xmlns:a16="http://schemas.microsoft.com/office/drawing/2014/main" id="{6D0112FE-D59F-8BA5-8489-53CE10DF7E31}"/>
+              </a:ext>
+            </a:extLst>
+          </p:cNvPr>
+          <p:cNvPicPr>
+            <a:picLocks noChangeAspect="1"/>
+          </p:cNvPicPr>
+          <p:nvPr/>
+        </p:nvPicPr>
+        <p:blipFill>
+          <a:blip r:embed="rId2"/>
+          <a:stretch>
+            <a:fillRect/>
+          </a:stretch>
+        </p:blipFill>
+        <p:spPr>
+          <a:xfrm>
+            <a:off x="1098430" y="3623095"/>
+            <a:ext cx="9995140" cy="2688805"/>
+          </a:xfrm>
+          <a:prstGeom prst="rect">
+            <a:avLst/>
+          </a:prstGeom>
+        </p:spPr>
+      </p:pic>
+    </p:spTree>
+    <p:extLst>
+      <p:ext uri="{BB962C8B-B14F-4D97-AF65-F5344CB8AC3E}">
+        <p14:creationId xmlns:p14="http://schemas.microsoft.com/office/powerpoint/2010/main" val="3550662848"/>
+      </p:ext>
+    </p:extLst>
+  </p:cSld>
+  <p:clrMapOvr>
+    <a:masterClrMapping/>
+  </p:clrMapOvr>
+</p:sld>
+</file>
+
+<file path=ppt/slides/slide11.xml><?xml version="1.0" encoding="utf-8"?>
+<p:sld xmlns:a="http://schemas.openxmlformats.org/drawingml/2006/main" xmlns:r="http://schemas.openxmlformats.org/officeDocument/2006/relationships" xmlns:p="http://schemas.openxmlformats.org/presentationml/2006/main">
+  <p:cSld>
+    <p:spTree>
+      <p:nvGrpSpPr>
+        <p:cNvPr id="1" name=""/>
+        <p:cNvGrpSpPr/>
+        <p:nvPr/>
+      </p:nvGrpSpPr>
+      <p:grpSpPr>
+        <a:xfrm>
+          <a:off x="0" y="0"/>
+          <a:ext cx="0" cy="0"/>
+          <a:chOff x="0" y="0"/>
+          <a:chExt cx="0" cy="0"/>
+        </a:xfrm>
+      </p:grpSpPr>
+      <p:sp>
+        <p:nvSpPr>
+          <p:cNvPr id="2" name="Title 1">
+            <a:extLst>
+              <a:ext uri="{FF2B5EF4-FFF2-40B4-BE49-F238E27FC236}">
+                <a16:creationId xmlns:a16="http://schemas.microsoft.com/office/drawing/2014/main" id="{216E1A76-E808-D065-2DB3-581089C62FED}"/>
+              </a:ext>
+            </a:extLst>
+          </p:cNvPr>
+          <p:cNvSpPr>
+            <a:spLocks noGrp="1"/>
+          </p:cNvSpPr>
+          <p:nvPr>
+            <p:ph type="title"/>
+          </p:nvPr>
+        </p:nvSpPr>
+        <p:spPr/>
+        <p:txBody>
+          <a:bodyPr/>
+          <a:lstStyle/>
+          <a:p>
+            <a:r>
+              <a:rPr lang="en-US" u="sng" dirty="0">
+                <a:latin typeface="Times New Roman" panose="02020603050405020304" pitchFamily="18" charset="0"/>
+                <a:cs typeface="Times New Roman" panose="02020603050405020304" pitchFamily="18" charset="0"/>
+              </a:rPr>
+              <a:t>Example usage of Git</a:t>
+            </a:r>
+            <a:endParaRPr lang="en-US" u="sng" dirty="0"/>
+          </a:p>
+        </p:txBody>
+      </p:sp>
+      <p:sp>
+        <p:nvSpPr>
+          <p:cNvPr id="3" name="Content Placeholder 2">
+            <a:extLst>
+              <a:ext uri="{FF2B5EF4-FFF2-40B4-BE49-F238E27FC236}">
+                <a16:creationId xmlns:a16="http://schemas.microsoft.com/office/drawing/2014/main" id="{0C99233F-11D4-8FDB-3DF3-85BE0EF2FF4D}"/>
+              </a:ext>
+            </a:extLst>
+          </p:cNvPr>
+          <p:cNvSpPr>
+            <a:spLocks noGrp="1"/>
+          </p:cNvSpPr>
+          <p:nvPr>
+            <p:ph idx="1"/>
+          </p:nvPr>
+        </p:nvSpPr>
+        <p:spPr/>
+        <p:txBody>
+          <a:bodyPr>
+            <a:normAutofit/>
+          </a:bodyPr>
+          <a:lstStyle/>
+          <a:p>
+            <a:r>
+              <a:rPr lang="en-US" dirty="0">
+                <a:latin typeface="Times New Roman" panose="02020603050405020304" pitchFamily="18" charset="0"/>
+                <a:cs typeface="Times New Roman" panose="02020603050405020304" pitchFamily="18" charset="0"/>
+              </a:rPr>
+              <a:t>Now the files will be made available on the remote repository.</a:t>
+            </a:r>
+          </a:p>
+          <a:p>
+            <a:r>
+              <a:rPr lang="en-US" dirty="0">
+                <a:latin typeface="Times New Roman" panose="02020603050405020304" pitchFamily="18" charset="0"/>
+                <a:cs typeface="Times New Roman" panose="02020603050405020304" pitchFamily="18" charset="0"/>
+              </a:rPr>
+              <a:t>If new files are to be added or existing files are to be modified, follow the same procedure as adding, committing and  pushing the files.</a:t>
+            </a:r>
+          </a:p>
+          <a:p>
+            <a:r>
+              <a:rPr lang="en-US" dirty="0">
+                <a:latin typeface="Times New Roman" panose="02020603050405020304" pitchFamily="18" charset="0"/>
+                <a:cs typeface="Times New Roman" panose="02020603050405020304" pitchFamily="18" charset="0"/>
+              </a:rPr>
+              <a:t>To create a new branch, change the name of the branch from </a:t>
+            </a:r>
+            <a:r>
+              <a:rPr lang="en-US" i="1" dirty="0">
+                <a:latin typeface="Times New Roman" panose="02020603050405020304" pitchFamily="18" charset="0"/>
+                <a:cs typeface="Times New Roman" panose="02020603050405020304" pitchFamily="18" charset="0"/>
+              </a:rPr>
+              <a:t>main</a:t>
+            </a:r>
+            <a:r>
+              <a:rPr lang="en-US" dirty="0">
+                <a:latin typeface="Times New Roman" panose="02020603050405020304" pitchFamily="18" charset="0"/>
+                <a:cs typeface="Times New Roman" panose="02020603050405020304" pitchFamily="18" charset="0"/>
+              </a:rPr>
+              <a:t> to </a:t>
+            </a:r>
+            <a:r>
+              <a:rPr lang="en-US" i="1" dirty="0">
+                <a:latin typeface="Times New Roman" panose="02020603050405020304" pitchFamily="18" charset="0"/>
+                <a:cs typeface="Times New Roman" panose="02020603050405020304" pitchFamily="18" charset="0"/>
+              </a:rPr>
+              <a:t>new_branch_name.</a:t>
+            </a:r>
+          </a:p>
+          <a:p>
+            <a:r>
+              <a:rPr lang="en-US" dirty="0">
+                <a:latin typeface="Times New Roman" panose="02020603050405020304" pitchFamily="18" charset="0"/>
+                <a:cs typeface="Times New Roman" panose="02020603050405020304" pitchFamily="18" charset="0"/>
+              </a:rPr>
+              <a:t>To jump to a new branch or merge a branch, use the command </a:t>
+            </a:r>
+            <a:r>
+              <a:rPr lang="en-US" b="1" i="1" dirty="0">
+                <a:latin typeface="Times New Roman" panose="02020603050405020304" pitchFamily="18" charset="0"/>
+                <a:cs typeface="Times New Roman" panose="02020603050405020304" pitchFamily="18" charset="0"/>
+              </a:rPr>
+              <a:t>git checkout &lt;branch_name&gt; </a:t>
+            </a:r>
+            <a:r>
+              <a:rPr lang="en-US" dirty="0">
+                <a:latin typeface="Times New Roman" panose="02020603050405020304" pitchFamily="18" charset="0"/>
+                <a:cs typeface="Times New Roman" panose="02020603050405020304" pitchFamily="18" charset="0"/>
+              </a:rPr>
+              <a:t>and</a:t>
+            </a:r>
+            <a:r>
+              <a:rPr lang="en-US" b="1" i="1" dirty="0">
+                <a:latin typeface="Times New Roman" panose="02020603050405020304" pitchFamily="18" charset="0"/>
+                <a:cs typeface="Times New Roman" panose="02020603050405020304" pitchFamily="18" charset="0"/>
+              </a:rPr>
+              <a:t> git merge &lt;branch_name&gt; </a:t>
+            </a:r>
+            <a:r>
+              <a:rPr lang="en-US" dirty="0">
+                <a:latin typeface="Times New Roman" panose="02020603050405020304" pitchFamily="18" charset="0"/>
+                <a:cs typeface="Times New Roman" panose="02020603050405020304" pitchFamily="18" charset="0"/>
+              </a:rPr>
+              <a:t>respectively.</a:t>
+            </a:r>
+          </a:p>
+          <a:p>
+            <a:r>
+              <a:rPr lang="en-US" dirty="0">
+                <a:latin typeface="Times New Roman" panose="02020603050405020304" pitchFamily="18" charset="0"/>
+                <a:cs typeface="Times New Roman" panose="02020603050405020304" pitchFamily="18" charset="0"/>
+              </a:rPr>
+              <a:t>To clone an existing repository </a:t>
+            </a:r>
+            <a:r>
+              <a:rPr lang="en-US" b="1" i="1" dirty="0">
+                <a:latin typeface="Times New Roman" panose="02020603050405020304" pitchFamily="18" charset="0"/>
+                <a:cs typeface="Times New Roman" panose="02020603050405020304" pitchFamily="18" charset="0"/>
+              </a:rPr>
+              <a:t>git clone &lt;repo-url&gt; </a:t>
+            </a:r>
+            <a:r>
+              <a:rPr lang="en-US" dirty="0">
+                <a:latin typeface="Times New Roman" panose="02020603050405020304" pitchFamily="18" charset="0"/>
+                <a:cs typeface="Times New Roman" panose="02020603050405020304" pitchFamily="18" charset="0"/>
+              </a:rPr>
+              <a:t>command is used.</a:t>
+            </a:r>
+          </a:p>
+        </p:txBody>
+      </p:sp>
+    </p:spTree>
+    <p:extLst>
+      <p:ext uri="{BB962C8B-B14F-4D97-AF65-F5344CB8AC3E}">
+        <p14:creationId xmlns:p14="http://schemas.microsoft.com/office/powerpoint/2010/main" val="1405794811"/>
+      </p:ext>
+    </p:extLst>
+  </p:cSld>
+  <p:clrMapOvr>
+    <a:masterClrMapping/>
+  </p:clrMapOvr>
+</p:sld>
+</file>
+
+<file path=ppt/slides/slide12.xml><?xml version="1.0" encoding="utf-8"?>
+<p:sld xmlns:a="http://schemas.openxmlformats.org/drawingml/2006/main" xmlns:r="http://schemas.openxmlformats.org/officeDocument/2006/relationships" xmlns:p="http://schemas.openxmlformats.org/presentationml/2006/main">
+  <p:cSld>
+    <p:spTree>
+      <p:nvGrpSpPr>
+        <p:cNvPr id="1" name=""/>
+        <p:cNvGrpSpPr/>
+        <p:nvPr/>
+      </p:nvGrpSpPr>
+      <p:grpSpPr>
+        <a:xfrm>
+          <a:off x="0" y="0"/>
+          <a:ext cx="0" cy="0"/>
+          <a:chOff x="0" y="0"/>
+          <a:chExt cx="0" cy="0"/>
+        </a:xfrm>
+      </p:grpSpPr>
+      <p:sp>
+        <p:nvSpPr>
+          <p:cNvPr id="2" name="Title 1">
+            <a:extLst>
+              <a:ext uri="{FF2B5EF4-FFF2-40B4-BE49-F238E27FC236}">
+                <a16:creationId xmlns:a16="http://schemas.microsoft.com/office/drawing/2014/main" id="{5FC0C707-4E07-190A-BF97-69643FB009E9}"/>
+              </a:ext>
+            </a:extLst>
+          </p:cNvPr>
+          <p:cNvSpPr>
+            <a:spLocks noGrp="1"/>
+          </p:cNvSpPr>
+          <p:nvPr>
+            <p:ph type="ctrTitle"/>
+          </p:nvPr>
+        </p:nvSpPr>
+        <p:spPr>
+          <a:xfrm>
+            <a:off x="1524000" y="1559435"/>
+            <a:ext cx="9144000" cy="2387600"/>
+          </a:xfrm>
+        </p:spPr>
+        <p:txBody>
+          <a:bodyPr/>
+          <a:lstStyle/>
+          <a:p>
+            <a:r>
+              <a:rPr lang="en-US" dirty="0">
+                <a:latin typeface="Times New Roman" panose="02020603050405020304" pitchFamily="18" charset="0"/>
+                <a:cs typeface="Times New Roman" panose="02020603050405020304" pitchFamily="18" charset="0"/>
+              </a:rPr>
+              <a:t>Thank You!</a:t>
+            </a:r>
+          </a:p>
+        </p:txBody>
+      </p:sp>
+    </p:spTree>
+    <p:extLst>
+      <p:ext uri="{BB962C8B-B14F-4D97-AF65-F5344CB8AC3E}">
+        <p14:creationId xmlns:p14="http://schemas.microsoft.com/office/powerpoint/2010/main" val="125952574"/>
+      </p:ext>
+    </p:extLst>
+  </p:cSld>
+  <p:clrMapOvr>
+    <a:masterClrMapping/>
+  </p:clrMapOvr>
+</p:sld>
+</file>
+
 <file path=ppt/slides/slide2.xml><?xml version="1.0" encoding="utf-8"?>
 <p:sld xmlns:a="http://schemas.openxmlformats.org/drawingml/2006/main" xmlns:r="http://schemas.openxmlformats.org/officeDocument/2006/relationships" xmlns:p="http://schemas.openxmlformats.org/presentationml/2006/main">
   <p:cSld>
@@ -4402,6 +4861,498 @@
     <p:extLst>
       <p:ext uri="{BB962C8B-B14F-4D97-AF65-F5344CB8AC3E}">
         <p14:creationId xmlns:p14="http://schemas.microsoft.com/office/powerpoint/2010/main" val="2360806212"/>
+      </p:ext>
+    </p:extLst>
+  </p:cSld>
+  <p:clrMapOvr>
+    <a:masterClrMapping/>
+  </p:clrMapOvr>
+</p:sld>
+</file>
+
+<file path=ppt/slides/slide7.xml><?xml version="1.0" encoding="utf-8"?>
+<p:sld xmlns:a="http://schemas.openxmlformats.org/drawingml/2006/main" xmlns:r="http://schemas.openxmlformats.org/officeDocument/2006/relationships" xmlns:p="http://schemas.openxmlformats.org/presentationml/2006/main">
+  <p:cSld>
+    <p:spTree>
+      <p:nvGrpSpPr>
+        <p:cNvPr id="1" name=""/>
+        <p:cNvGrpSpPr/>
+        <p:nvPr/>
+      </p:nvGrpSpPr>
+      <p:grpSpPr>
+        <a:xfrm>
+          <a:off x="0" y="0"/>
+          <a:ext cx="0" cy="0"/>
+          <a:chOff x="0" y="0"/>
+          <a:chExt cx="0" cy="0"/>
+        </a:xfrm>
+      </p:grpSpPr>
+      <p:sp>
+        <p:nvSpPr>
+          <p:cNvPr id="2" name="Title 1">
+            <a:extLst>
+              <a:ext uri="{FF2B5EF4-FFF2-40B4-BE49-F238E27FC236}">
+                <a16:creationId xmlns:a16="http://schemas.microsoft.com/office/drawing/2014/main" id="{4ECFCCE3-7779-05F5-8185-7583E39D73A2}"/>
+              </a:ext>
+            </a:extLst>
+          </p:cNvPr>
+          <p:cNvSpPr>
+            <a:spLocks noGrp="1"/>
+          </p:cNvSpPr>
+          <p:nvPr>
+            <p:ph type="title"/>
+          </p:nvPr>
+        </p:nvSpPr>
+        <p:spPr/>
+        <p:txBody>
+          <a:bodyPr/>
+          <a:lstStyle/>
+          <a:p>
+            <a:r>
+              <a:rPr lang="en-US" u="sng" dirty="0">
+                <a:latin typeface="Times New Roman" panose="02020603050405020304" pitchFamily="18" charset="0"/>
+                <a:cs typeface="Times New Roman" panose="02020603050405020304" pitchFamily="18" charset="0"/>
+              </a:rPr>
+              <a:t>Example usage of Git</a:t>
+            </a:r>
+          </a:p>
+        </p:txBody>
+      </p:sp>
+      <p:sp>
+        <p:nvSpPr>
+          <p:cNvPr id="3" name="Content Placeholder 2">
+            <a:extLst>
+              <a:ext uri="{FF2B5EF4-FFF2-40B4-BE49-F238E27FC236}">
+                <a16:creationId xmlns:a16="http://schemas.microsoft.com/office/drawing/2014/main" id="{BF6FC836-47C8-8564-C0F4-2EDE89BA96CB}"/>
+              </a:ext>
+            </a:extLst>
+          </p:cNvPr>
+          <p:cNvSpPr>
+            <a:spLocks noGrp="1"/>
+          </p:cNvSpPr>
+          <p:nvPr>
+            <p:ph idx="1"/>
+          </p:nvPr>
+        </p:nvSpPr>
+        <p:spPr/>
+        <p:txBody>
+          <a:bodyPr/>
+          <a:lstStyle/>
+          <a:p>
+            <a:r>
+              <a:rPr lang="en-US" dirty="0">
+                <a:latin typeface="Times New Roman" panose="02020603050405020304" pitchFamily="18" charset="0"/>
+                <a:cs typeface="Times New Roman" panose="02020603050405020304" pitchFamily="18" charset="0"/>
+              </a:rPr>
+              <a:t>Install and  setup Git in the system.</a:t>
+            </a:r>
+          </a:p>
+          <a:p>
+            <a:r>
+              <a:rPr lang="en-US" dirty="0">
+                <a:latin typeface="Times New Roman" panose="02020603050405020304" pitchFamily="18" charset="0"/>
+                <a:cs typeface="Times New Roman" panose="02020603050405020304" pitchFamily="18" charset="0"/>
+              </a:rPr>
+              <a:t>First create the necessary files that need to be uploaded or collaborated inside a folder.</a:t>
+            </a:r>
+          </a:p>
+          <a:p>
+            <a:r>
+              <a:rPr lang="en-US" dirty="0">
+                <a:latin typeface="Times New Roman" panose="02020603050405020304" pitchFamily="18" charset="0"/>
+                <a:cs typeface="Times New Roman" panose="02020603050405020304" pitchFamily="18" charset="0"/>
+              </a:rPr>
+              <a:t>Open the Git terminal and navigate to the folder to create a local repository using </a:t>
+            </a:r>
+            <a:r>
+              <a:rPr lang="en-US" b="1" i="1" dirty="0">
+                <a:latin typeface="Times New Roman" panose="02020603050405020304" pitchFamily="18" charset="0"/>
+                <a:cs typeface="Times New Roman" panose="02020603050405020304" pitchFamily="18" charset="0"/>
+              </a:rPr>
+              <a:t>git init </a:t>
+            </a:r>
+            <a:r>
+              <a:rPr lang="en-US" dirty="0">
+                <a:latin typeface="Times New Roman" panose="02020603050405020304" pitchFamily="18" charset="0"/>
+                <a:cs typeface="Times New Roman" panose="02020603050405020304" pitchFamily="18" charset="0"/>
+              </a:rPr>
+              <a:t>command.</a:t>
+            </a:r>
+          </a:p>
+        </p:txBody>
+      </p:sp>
+      <p:pic>
+        <p:nvPicPr>
+          <p:cNvPr id="5" name="Picture 4">
+            <a:extLst>
+              <a:ext uri="{FF2B5EF4-FFF2-40B4-BE49-F238E27FC236}">
+                <a16:creationId xmlns:a16="http://schemas.microsoft.com/office/drawing/2014/main" id="{C9AB8ABA-1606-1E04-32F3-BD67599DAA0B}"/>
+              </a:ext>
+            </a:extLst>
+          </p:cNvPr>
+          <p:cNvPicPr>
+            <a:picLocks noChangeAspect="1"/>
+          </p:cNvPicPr>
+          <p:nvPr/>
+        </p:nvPicPr>
+        <p:blipFill>
+          <a:blip r:embed="rId2"/>
+          <a:stretch>
+            <a:fillRect/>
+          </a:stretch>
+        </p:blipFill>
+        <p:spPr>
+          <a:xfrm>
+            <a:off x="1437738" y="4348890"/>
+            <a:ext cx="9069236" cy="1275532"/>
+          </a:xfrm>
+          <a:prstGeom prst="rect">
+            <a:avLst/>
+          </a:prstGeom>
+        </p:spPr>
+      </p:pic>
+    </p:spTree>
+    <p:extLst>
+      <p:ext uri="{BB962C8B-B14F-4D97-AF65-F5344CB8AC3E}">
+        <p14:creationId xmlns:p14="http://schemas.microsoft.com/office/powerpoint/2010/main" val="1201414390"/>
+      </p:ext>
+    </p:extLst>
+  </p:cSld>
+  <p:clrMapOvr>
+    <a:masterClrMapping/>
+  </p:clrMapOvr>
+</p:sld>
+</file>
+
+<file path=ppt/slides/slide8.xml><?xml version="1.0" encoding="utf-8"?>
+<p:sld xmlns:a="http://schemas.openxmlformats.org/drawingml/2006/main" xmlns:r="http://schemas.openxmlformats.org/officeDocument/2006/relationships" xmlns:p="http://schemas.openxmlformats.org/presentationml/2006/main">
+  <p:cSld>
+    <p:spTree>
+      <p:nvGrpSpPr>
+        <p:cNvPr id="1" name=""/>
+        <p:cNvGrpSpPr/>
+        <p:nvPr/>
+      </p:nvGrpSpPr>
+      <p:grpSpPr>
+        <a:xfrm>
+          <a:off x="0" y="0"/>
+          <a:ext cx="0" cy="0"/>
+          <a:chOff x="0" y="0"/>
+          <a:chExt cx="0" cy="0"/>
+        </a:xfrm>
+      </p:grpSpPr>
+      <p:sp>
+        <p:nvSpPr>
+          <p:cNvPr id="2" name="Title 1">
+            <a:extLst>
+              <a:ext uri="{FF2B5EF4-FFF2-40B4-BE49-F238E27FC236}">
+                <a16:creationId xmlns:a16="http://schemas.microsoft.com/office/drawing/2014/main" id="{3AD6EE6E-485C-4F65-2DB4-43F45E6AF983}"/>
+              </a:ext>
+            </a:extLst>
+          </p:cNvPr>
+          <p:cNvSpPr>
+            <a:spLocks noGrp="1"/>
+          </p:cNvSpPr>
+          <p:nvPr>
+            <p:ph type="title"/>
+          </p:nvPr>
+        </p:nvSpPr>
+        <p:spPr/>
+        <p:txBody>
+          <a:bodyPr/>
+          <a:lstStyle/>
+          <a:p>
+            <a:r>
+              <a:rPr lang="en-US" u="sng" dirty="0">
+                <a:latin typeface="Times New Roman" panose="02020603050405020304" pitchFamily="18" charset="0"/>
+                <a:cs typeface="Times New Roman" panose="02020603050405020304" pitchFamily="18" charset="0"/>
+              </a:rPr>
+              <a:t>Example usage of Git</a:t>
+            </a:r>
+          </a:p>
+        </p:txBody>
+      </p:sp>
+      <p:sp>
+        <p:nvSpPr>
+          <p:cNvPr id="3" name="Content Placeholder 2">
+            <a:extLst>
+              <a:ext uri="{FF2B5EF4-FFF2-40B4-BE49-F238E27FC236}">
+                <a16:creationId xmlns:a16="http://schemas.microsoft.com/office/drawing/2014/main" id="{34AAF445-5D71-BE76-97E3-3FD5B71C81A6}"/>
+              </a:ext>
+            </a:extLst>
+          </p:cNvPr>
+          <p:cNvSpPr>
+            <a:spLocks noGrp="1"/>
+          </p:cNvSpPr>
+          <p:nvPr>
+            <p:ph idx="1"/>
+          </p:nvPr>
+        </p:nvSpPr>
+        <p:spPr/>
+        <p:txBody>
+          <a:bodyPr/>
+          <a:lstStyle/>
+          <a:p>
+            <a:r>
+              <a:rPr lang="en-US" dirty="0">
+                <a:latin typeface="Times New Roman" panose="02020603050405020304" pitchFamily="18" charset="0"/>
+                <a:cs typeface="Times New Roman" panose="02020603050405020304" pitchFamily="18" charset="0"/>
+              </a:rPr>
+              <a:t>Now using </a:t>
+            </a:r>
+            <a:r>
+              <a:rPr lang="en-US" b="1" i="1" dirty="0">
+                <a:latin typeface="Times New Roman" panose="02020603050405020304" pitchFamily="18" charset="0"/>
+                <a:cs typeface="Times New Roman" panose="02020603050405020304" pitchFamily="18" charset="0"/>
+              </a:rPr>
+              <a:t>git add &lt;filename&gt; </a:t>
+            </a:r>
+            <a:r>
+              <a:rPr lang="en-US" dirty="0">
+                <a:latin typeface="Times New Roman" panose="02020603050405020304" pitchFamily="18" charset="0"/>
+                <a:cs typeface="Times New Roman" panose="02020603050405020304" pitchFamily="18" charset="0"/>
+              </a:rPr>
+              <a:t>command, add all the files that needs to be staged.</a:t>
+            </a:r>
+          </a:p>
+          <a:p>
+            <a:r>
+              <a:rPr lang="en-US" dirty="0">
+                <a:latin typeface="Times New Roman" panose="02020603050405020304" pitchFamily="18" charset="0"/>
+                <a:cs typeface="Times New Roman" panose="02020603050405020304" pitchFamily="18" charset="0"/>
+              </a:rPr>
+              <a:t>Then the staged files will be recorded after using the </a:t>
+            </a:r>
+            <a:r>
+              <a:rPr lang="en-US" b="1" i="1" dirty="0">
+                <a:latin typeface="Times New Roman" panose="02020603050405020304" pitchFamily="18" charset="0"/>
+                <a:cs typeface="Times New Roman" panose="02020603050405020304" pitchFamily="18" charset="0"/>
+              </a:rPr>
+              <a:t>git commit –m “” </a:t>
+            </a:r>
+            <a:r>
+              <a:rPr lang="en-US" dirty="0">
+                <a:latin typeface="Times New Roman" panose="02020603050405020304" pitchFamily="18" charset="0"/>
+                <a:cs typeface="Times New Roman" panose="02020603050405020304" pitchFamily="18" charset="0"/>
+              </a:rPr>
+              <a:t>command.</a:t>
+            </a:r>
+          </a:p>
+          <a:p>
+            <a:endParaRPr lang="en-US" dirty="0">
+              <a:latin typeface="Times New Roman" panose="02020603050405020304" pitchFamily="18" charset="0"/>
+              <a:cs typeface="Times New Roman" panose="02020603050405020304" pitchFamily="18" charset="0"/>
+            </a:endParaRPr>
+          </a:p>
+          <a:p>
+            <a:endParaRPr lang="en-US" dirty="0">
+              <a:latin typeface="Times New Roman" panose="02020603050405020304" pitchFamily="18" charset="0"/>
+              <a:cs typeface="Times New Roman" panose="02020603050405020304" pitchFamily="18" charset="0"/>
+            </a:endParaRPr>
+          </a:p>
+          <a:p>
+            <a:endParaRPr lang="en-US" dirty="0">
+              <a:latin typeface="Times New Roman" panose="02020603050405020304" pitchFamily="18" charset="0"/>
+              <a:cs typeface="Times New Roman" panose="02020603050405020304" pitchFamily="18" charset="0"/>
+            </a:endParaRPr>
+          </a:p>
+          <a:p>
+            <a:endParaRPr lang="en-US" dirty="0">
+              <a:latin typeface="Times New Roman" panose="02020603050405020304" pitchFamily="18" charset="0"/>
+              <a:cs typeface="Times New Roman" panose="02020603050405020304" pitchFamily="18" charset="0"/>
+            </a:endParaRPr>
+          </a:p>
+          <a:p>
+            <a:r>
+              <a:rPr lang="en-US" dirty="0">
+                <a:latin typeface="Times New Roman" panose="02020603050405020304" pitchFamily="18" charset="0"/>
+                <a:cs typeface="Times New Roman" panose="02020603050405020304" pitchFamily="18" charset="0"/>
+              </a:rPr>
+              <a:t>Give the appropriate commit message for better understanding.</a:t>
+            </a:r>
+          </a:p>
+        </p:txBody>
+      </p:sp>
+      <p:pic>
+        <p:nvPicPr>
+          <p:cNvPr id="5" name="Picture 4">
+            <a:extLst>
+              <a:ext uri="{FF2B5EF4-FFF2-40B4-BE49-F238E27FC236}">
+                <a16:creationId xmlns:a16="http://schemas.microsoft.com/office/drawing/2014/main" id="{030C7935-D8EE-2028-001F-AAC198FD2232}"/>
+              </a:ext>
+            </a:extLst>
+          </p:cNvPr>
+          <p:cNvPicPr>
+            <a:picLocks noChangeAspect="1"/>
+          </p:cNvPicPr>
+          <p:nvPr/>
+        </p:nvPicPr>
+        <p:blipFill>
+          <a:blip r:embed="rId2"/>
+          <a:stretch>
+            <a:fillRect/>
+          </a:stretch>
+        </p:blipFill>
+        <p:spPr>
+          <a:xfrm>
+            <a:off x="1138687" y="3651847"/>
+            <a:ext cx="10052649" cy="1926568"/>
+          </a:xfrm>
+          <a:prstGeom prst="rect">
+            <a:avLst/>
+          </a:prstGeom>
+        </p:spPr>
+      </p:pic>
+    </p:spTree>
+    <p:extLst>
+      <p:ext uri="{BB962C8B-B14F-4D97-AF65-F5344CB8AC3E}">
+        <p14:creationId xmlns:p14="http://schemas.microsoft.com/office/powerpoint/2010/main" val="3037956464"/>
+      </p:ext>
+    </p:extLst>
+  </p:cSld>
+  <p:clrMapOvr>
+    <a:masterClrMapping/>
+  </p:clrMapOvr>
+</p:sld>
+</file>
+
+<file path=ppt/slides/slide9.xml><?xml version="1.0" encoding="utf-8"?>
+<p:sld xmlns:a="http://schemas.openxmlformats.org/drawingml/2006/main" xmlns:r="http://schemas.openxmlformats.org/officeDocument/2006/relationships" xmlns:p="http://schemas.openxmlformats.org/presentationml/2006/main">
+  <p:cSld>
+    <p:spTree>
+      <p:nvGrpSpPr>
+        <p:cNvPr id="1" name=""/>
+        <p:cNvGrpSpPr/>
+        <p:nvPr/>
+      </p:nvGrpSpPr>
+      <p:grpSpPr>
+        <a:xfrm>
+          <a:off x="0" y="0"/>
+          <a:ext cx="0" cy="0"/>
+          <a:chOff x="0" y="0"/>
+          <a:chExt cx="0" cy="0"/>
+        </a:xfrm>
+      </p:grpSpPr>
+      <p:sp>
+        <p:nvSpPr>
+          <p:cNvPr id="2" name="Title 1">
+            <a:extLst>
+              <a:ext uri="{FF2B5EF4-FFF2-40B4-BE49-F238E27FC236}">
+                <a16:creationId xmlns:a16="http://schemas.microsoft.com/office/drawing/2014/main" id="{E78C62B8-5916-ED19-DE5C-20800792251A}"/>
+              </a:ext>
+            </a:extLst>
+          </p:cNvPr>
+          <p:cNvSpPr>
+            <a:spLocks noGrp="1"/>
+          </p:cNvSpPr>
+          <p:nvPr>
+            <p:ph type="title"/>
+          </p:nvPr>
+        </p:nvSpPr>
+        <p:spPr/>
+        <p:txBody>
+          <a:bodyPr/>
+          <a:lstStyle/>
+          <a:p>
+            <a:r>
+              <a:rPr lang="en-US" u="sng" dirty="0">
+                <a:latin typeface="Times New Roman" panose="02020603050405020304" pitchFamily="18" charset="0"/>
+                <a:cs typeface="Times New Roman" panose="02020603050405020304" pitchFamily="18" charset="0"/>
+              </a:rPr>
+              <a:t>Example usage of Git</a:t>
+            </a:r>
+            <a:endParaRPr lang="en-US" u="sng" dirty="0"/>
+          </a:p>
+        </p:txBody>
+      </p:sp>
+      <p:sp>
+        <p:nvSpPr>
+          <p:cNvPr id="3" name="Content Placeholder 2">
+            <a:extLst>
+              <a:ext uri="{FF2B5EF4-FFF2-40B4-BE49-F238E27FC236}">
+                <a16:creationId xmlns:a16="http://schemas.microsoft.com/office/drawing/2014/main" id="{C47342F0-8B6E-8919-3F4B-5A65FD65872A}"/>
+              </a:ext>
+            </a:extLst>
+          </p:cNvPr>
+          <p:cNvSpPr>
+            <a:spLocks noGrp="1"/>
+          </p:cNvSpPr>
+          <p:nvPr>
+            <p:ph idx="1"/>
+          </p:nvPr>
+        </p:nvSpPr>
+        <p:spPr/>
+        <p:txBody>
+          <a:bodyPr/>
+          <a:lstStyle/>
+          <a:p>
+            <a:r>
+              <a:rPr lang="en-US" dirty="0">
+                <a:latin typeface="Times New Roman" panose="02020603050405020304" pitchFamily="18" charset="0"/>
+                <a:cs typeface="Times New Roman" panose="02020603050405020304" pitchFamily="18" charset="0"/>
+              </a:rPr>
+              <a:t>Now link the local repository to the remote repository on GitHub using </a:t>
+            </a:r>
+            <a:r>
+              <a:rPr lang="en-US" b="1" i="1" dirty="0">
+                <a:latin typeface="Times New Roman" panose="02020603050405020304" pitchFamily="18" charset="0"/>
+                <a:cs typeface="Times New Roman" panose="02020603050405020304" pitchFamily="18" charset="0"/>
+              </a:rPr>
+              <a:t>git remote add origin &lt;repo-url&gt; </a:t>
+            </a:r>
+            <a:r>
+              <a:rPr lang="en-US" dirty="0">
+                <a:latin typeface="Times New Roman" panose="02020603050405020304" pitchFamily="18" charset="0"/>
+                <a:cs typeface="Times New Roman" panose="02020603050405020304" pitchFamily="18" charset="0"/>
+              </a:rPr>
+              <a:t>command.</a:t>
+            </a:r>
+          </a:p>
+          <a:p>
+            <a:r>
+              <a:rPr lang="en-US" dirty="0">
+                <a:latin typeface="Times New Roman" panose="02020603050405020304" pitchFamily="18" charset="0"/>
+                <a:cs typeface="Times New Roman" panose="02020603050405020304" pitchFamily="18" charset="0"/>
+              </a:rPr>
+              <a:t>Copy the URL of the repository that was created in GitHub and run the command.</a:t>
+            </a:r>
+          </a:p>
+        </p:txBody>
+      </p:sp>
+      <p:pic>
+        <p:nvPicPr>
+          <p:cNvPr id="5" name="Picture 4">
+            <a:extLst>
+              <a:ext uri="{FF2B5EF4-FFF2-40B4-BE49-F238E27FC236}">
+                <a16:creationId xmlns:a16="http://schemas.microsoft.com/office/drawing/2014/main" id="{8D0E6AE3-008E-7D48-7857-E6314ADD881C}"/>
+              </a:ext>
+            </a:extLst>
+          </p:cNvPr>
+          <p:cNvPicPr>
+            <a:picLocks noChangeAspect="1"/>
+          </p:cNvPicPr>
+          <p:nvPr/>
+        </p:nvPicPr>
+        <p:blipFill>
+          <a:blip r:embed="rId2"/>
+          <a:stretch>
+            <a:fillRect/>
+          </a:stretch>
+        </p:blipFill>
+        <p:spPr>
+          <a:xfrm>
+            <a:off x="1013703" y="3763766"/>
+            <a:ext cx="10164594" cy="1952898"/>
+          </a:xfrm>
+          <a:prstGeom prst="rect">
+            <a:avLst/>
+          </a:prstGeom>
+        </p:spPr>
+      </p:pic>
+    </p:spTree>
+    <p:extLst>
+      <p:ext uri="{BB962C8B-B14F-4D97-AF65-F5344CB8AC3E}">
+        <p14:creationId xmlns:p14="http://schemas.microsoft.com/office/powerpoint/2010/main" val="747456837"/>
       </p:ext>
     </p:extLst>
   </p:cSld>
